--- a/slides/uni/hoffmann_serverless.pptx
+++ b/slides/uni/hoffmann_serverless.pptx
@@ -361,7 +361,7 @@
           <a:p>
             <a:fld id="{C613CD1A-BD03-431E-8149-2BA95C241B5B}" type="datetimeFigureOut">
               <a:rPr lang="de-DE" smtClean="0"/>
-              <a:t>15.09.2021</a:t>
+              <a:t>16.09.2021</a:t>
             </a:fld>
             <a:endParaRPr lang="de-DE"/>
           </a:p>
@@ -3781,7 +3781,7 @@
           <a:p>
             <a:fld id="{EC8D8C26-B4E6-426A-BFEB-64E315722594}" type="datetime1">
               <a:rPr lang="de-DE" smtClean="0"/>
-              <a:t>15.09.2021</a:t>
+              <a:t>16.09.2021</a:t>
             </a:fld>
             <a:endParaRPr lang="de-DE"/>
           </a:p>
@@ -4030,7 +4030,7 @@
           <a:p>
             <a:fld id="{F5F6A81A-C2B1-46AC-AE74-2B55BF19628A}" type="datetime1">
               <a:rPr lang="de-DE" smtClean="0"/>
-              <a:t>15.09.2021</a:t>
+              <a:t>16.09.2021</a:t>
             </a:fld>
             <a:endParaRPr lang="de-DE"/>
           </a:p>
@@ -4276,7 +4276,7 @@
           <a:p>
             <a:fld id="{AF15D084-6AB9-48F2-93F6-EFCDDED1FBB7}" type="datetime1">
               <a:rPr lang="de-DE" smtClean="0"/>
-              <a:t>15.09.2021</a:t>
+              <a:t>16.09.2021</a:t>
             </a:fld>
             <a:endParaRPr lang="de-DE"/>
           </a:p>
@@ -4610,7 +4610,7 @@
           <a:p>
             <a:fld id="{19922A47-BBF0-40EF-9801-83EDB89F85EE}" type="datetime1">
               <a:rPr lang="de-DE" smtClean="0"/>
-              <a:t>15.09.2021</a:t>
+              <a:t>16.09.2021</a:t>
             </a:fld>
             <a:endParaRPr lang="de-DE"/>
           </a:p>
@@ -4766,7 +4766,7 @@
           <a:p>
             <a:fld id="{F827CE8F-CE56-4C8A-B59F-ECC243700C50}" type="datetime1">
               <a:rPr lang="de-DE" smtClean="0"/>
-              <a:t>15.09.2021</a:t>
+              <a:t>16.09.2021</a:t>
             </a:fld>
             <a:endParaRPr lang="de-DE"/>
           </a:p>
@@ -5006,7 +5006,7 @@
           <a:p>
             <a:fld id="{18636517-FE76-4284-A6D7-A6087C677DF5}" type="datetime1">
               <a:rPr lang="de-DE" smtClean="0"/>
-              <a:t>15.09.2021</a:t>
+              <a:t>16.09.2021</a:t>
             </a:fld>
             <a:endParaRPr lang="de-DE"/>
           </a:p>
@@ -5379,7 +5379,7 @@
           <a:p>
             <a:fld id="{289A97F5-24F3-48B6-801A-9146D9102502}" type="datetime1">
               <a:rPr lang="de-DE" smtClean="0"/>
-              <a:t>15.09.2021</a:t>
+              <a:t>16.09.2021</a:t>
             </a:fld>
             <a:endParaRPr lang="de-DE"/>
           </a:p>
@@ -5839,7 +5839,7 @@
           <a:p>
             <a:fld id="{C7A79248-BDFF-4466-9C95-37ECA73C4233}" type="datetime1">
               <a:rPr lang="de-DE" smtClean="0"/>
-              <a:t>15.09.2021</a:t>
+              <a:t>16.09.2021</a:t>
             </a:fld>
             <a:endParaRPr lang="de-DE"/>
           </a:p>
@@ -6111,7 +6111,7 @@
           <a:p>
             <a:fld id="{BBC87CA2-7062-4E12-8384-9E01394495A9}" type="datetime1">
               <a:rPr lang="de-DE" smtClean="0"/>
-              <a:t>15.09.2021</a:t>
+              <a:t>16.09.2021</a:t>
             </a:fld>
             <a:endParaRPr lang="de-DE"/>
           </a:p>
@@ -6280,7 +6280,7 @@
           <a:p>
             <a:fld id="{DEEA959A-ACAA-4DCD-A10E-9278E2809D2F}" type="datetime1">
               <a:rPr lang="de-DE" smtClean="0"/>
-              <a:t>15.09.2021</a:t>
+              <a:t>16.09.2021</a:t>
             </a:fld>
             <a:endParaRPr lang="de-DE"/>
           </a:p>
@@ -6637,7 +6637,7 @@
           <a:p>
             <a:fld id="{087C5EBE-EC45-41E7-B2EB-110DE38DEC04}" type="datetime1">
               <a:rPr lang="de-DE" smtClean="0"/>
-              <a:t>15.09.2021</a:t>
+              <a:t>16.09.2021</a:t>
             </a:fld>
             <a:endParaRPr lang="de-DE"/>
           </a:p>
@@ -6894,7 +6894,7 @@
           <a:p>
             <a:fld id="{874B70A8-8344-4A34-810F-7A9DCD406A26}" type="datetime1">
               <a:rPr lang="de-DE" smtClean="0"/>
-              <a:t>15.09.2021</a:t>
+              <a:t>16.09.2021</a:t>
             </a:fld>
             <a:endParaRPr lang="de-DE"/>
           </a:p>
@@ -7271,7 +7271,7 @@
           <a:p>
             <a:fld id="{8F06F742-6DB8-4B59-9AEC-3207D7CCAB0B}" type="datetime1">
               <a:rPr lang="de-DE" smtClean="0"/>
-              <a:t>15.09.2021</a:t>
+              <a:t>16.09.2021</a:t>
             </a:fld>
             <a:endParaRPr lang="de-DE"/>
           </a:p>
@@ -7746,7 +7746,7 @@
           <a:p>
             <a:fld id="{6E4AEC4C-9452-42F1-A466-3AAF02708E98}" type="datetime1">
               <a:rPr lang="de-DE" smtClean="0"/>
-              <a:t>15.09.2021</a:t>
+              <a:t>16.09.2021</a:t>
             </a:fld>
             <a:endParaRPr lang="de-DE"/>
           </a:p>
@@ -8000,7 +8000,7 @@
           <a:p>
             <a:fld id="{ED3EF982-B1C3-47E7-9AD7-18642D776D16}" type="datetime1">
               <a:rPr lang="de-DE" smtClean="0"/>
-              <a:t>15.09.2021</a:t>
+              <a:t>16.09.2021</a:t>
             </a:fld>
             <a:endParaRPr lang="de-DE"/>
           </a:p>
@@ -8583,7 +8583,7 @@
           <a:p>
             <a:fld id="{35BA4B03-B363-4239-B935-F2B4853E533A}" type="datetime1">
               <a:rPr lang="de-DE" smtClean="0"/>
-              <a:t>15.09.2021</a:t>
+              <a:t>16.09.2021</a:t>
             </a:fld>
             <a:endParaRPr lang="de-DE"/>
           </a:p>
@@ -9207,7 +9207,7 @@
           <a:p>
             <a:fld id="{61E1E29B-143A-4EE6-BDB2-1F557AEF61CC}" type="datetime1">
               <a:rPr lang="de-DE" smtClean="0"/>
-              <a:t>15.09.2021</a:t>
+              <a:t>16.09.2021</a:t>
             </a:fld>
             <a:endParaRPr lang="de-DE"/>
           </a:p>
@@ -9945,7 +9945,7 @@
           <a:p>
             <a:fld id="{BBC87CA2-7062-4E12-8384-9E01394495A9}" type="datetime1">
               <a:rPr lang="de-DE" smtClean="0"/>
-              <a:t>15.09.2021</a:t>
+              <a:t>16.09.2021</a:t>
             </a:fld>
             <a:endParaRPr lang="de-DE"/>
           </a:p>
@@ -10408,7 +10408,7 @@
           <a:p>
             <a:fld id="{BBC87CA2-7062-4E12-8384-9E01394495A9}" type="datetime1">
               <a:rPr lang="de-DE" smtClean="0"/>
-              <a:t>15.09.2021</a:t>
+              <a:t>16.09.2021</a:t>
             </a:fld>
             <a:endParaRPr lang="de-DE"/>
           </a:p>
@@ -10609,7 +10609,7 @@
           <a:p>
             <a:fld id="{BBC87CA2-7062-4E12-8384-9E01394495A9}" type="datetime1">
               <a:rPr lang="de-DE" smtClean="0"/>
-              <a:t>15.09.2021</a:t>
+              <a:t>16.09.2021</a:t>
             </a:fld>
             <a:endParaRPr lang="de-DE"/>
           </a:p>
@@ -10834,7 +10834,7 @@
           <a:p>
             <a:fld id="{BBC87CA2-7062-4E12-8384-9E01394495A9}" type="datetime1">
               <a:rPr lang="de-DE" smtClean="0"/>
-              <a:t>15.09.2021</a:t>
+              <a:t>16.09.2021</a:t>
             </a:fld>
             <a:endParaRPr lang="de-DE"/>
           </a:p>
@@ -11020,7 +11020,7 @@
           <a:p>
             <a:fld id="{BBC87CA2-7062-4E12-8384-9E01394495A9}" type="datetime1">
               <a:rPr lang="de-DE" smtClean="0"/>
-              <a:t>15.09.2021</a:t>
+              <a:t>16.09.2021</a:t>
             </a:fld>
             <a:endParaRPr lang="de-DE"/>
           </a:p>
@@ -11226,7 +11226,7 @@
           <a:p>
             <a:fld id="{BBC87CA2-7062-4E12-8384-9E01394495A9}" type="datetime1">
               <a:rPr lang="de-DE" smtClean="0"/>
-              <a:t>15.09.2021</a:t>
+              <a:t>16.09.2021</a:t>
             </a:fld>
             <a:endParaRPr lang="de-DE"/>
           </a:p>
@@ -11414,7 +11414,7 @@
           <a:p>
             <a:fld id="{BBC87CA2-7062-4E12-8384-9E01394495A9}" type="datetime1">
               <a:rPr lang="de-DE" smtClean="0"/>
-              <a:t>15.09.2021</a:t>
+              <a:t>16.09.2021</a:t>
             </a:fld>
             <a:endParaRPr lang="de-DE"/>
           </a:p>
@@ -11602,7 +11602,7 @@
           <a:p>
             <a:fld id="{BBC87CA2-7062-4E12-8384-9E01394495A9}" type="datetime1">
               <a:rPr lang="de-DE" smtClean="0"/>
-              <a:t>15.09.2021</a:t>
+              <a:t>16.09.2021</a:t>
             </a:fld>
             <a:endParaRPr lang="de-DE"/>
           </a:p>
@@ -11754,7 +11754,7 @@
           <a:p>
             <a:fld id="{BBC87CA2-7062-4E12-8384-9E01394495A9}" type="datetime1">
               <a:rPr lang="de-DE" smtClean="0"/>
-              <a:t>15.09.2021</a:t>
+              <a:t>16.09.2021</a:t>
             </a:fld>
             <a:endParaRPr lang="de-DE"/>
           </a:p>
@@ -12021,7 +12021,7 @@
           <a:p>
             <a:fld id="{BBC87CA2-7062-4E12-8384-9E01394495A9}" type="datetime1">
               <a:rPr lang="de-DE" smtClean="0"/>
-              <a:t>15.09.2021</a:t>
+              <a:t>16.09.2021</a:t>
             </a:fld>
             <a:endParaRPr lang="de-DE"/>
           </a:p>
@@ -12173,7 +12173,7 @@
           <a:p>
             <a:fld id="{BBC87CA2-7062-4E12-8384-9E01394495A9}" type="datetime1">
               <a:rPr lang="de-DE" smtClean="0"/>
-              <a:t>15.09.2021</a:t>
+              <a:t>16.09.2021</a:t>
             </a:fld>
             <a:endParaRPr lang="de-DE"/>
           </a:p>
@@ -12361,7 +12361,7 @@
           <a:p>
             <a:fld id="{BBC87CA2-7062-4E12-8384-9E01394495A9}" type="datetime1">
               <a:rPr lang="de-DE" smtClean="0"/>
-              <a:t>15.09.2021</a:t>
+              <a:t>16.09.2021</a:t>
             </a:fld>
             <a:endParaRPr lang="de-DE"/>
           </a:p>
@@ -12513,7 +12513,7 @@
           <a:p>
             <a:fld id="{BBC87CA2-7062-4E12-8384-9E01394495A9}" type="datetime1">
               <a:rPr lang="de-DE" smtClean="0"/>
-              <a:t>15.09.2021</a:t>
+              <a:t>16.09.2021</a:t>
             </a:fld>
             <a:endParaRPr lang="de-DE"/>
           </a:p>
@@ -12740,7 +12740,7 @@
           <a:p>
             <a:fld id="{BBC87CA2-7062-4E12-8384-9E01394495A9}" type="datetime1">
               <a:rPr lang="de-DE" smtClean="0"/>
-              <a:t>15.09.2021</a:t>
+              <a:t>16.09.2021</a:t>
             </a:fld>
             <a:endParaRPr lang="de-DE"/>
           </a:p>
@@ -12928,7 +12928,7 @@
           <a:p>
             <a:fld id="{BBC87CA2-7062-4E12-8384-9E01394495A9}" type="datetime1">
               <a:rPr lang="de-DE" smtClean="0"/>
-              <a:t>15.09.2021</a:t>
+              <a:t>16.09.2021</a:t>
             </a:fld>
             <a:endParaRPr lang="de-DE"/>
           </a:p>
@@ -13120,7 +13120,7 @@
           <a:p>
             <a:fld id="{BBC87CA2-7062-4E12-8384-9E01394495A9}" type="datetime1">
               <a:rPr lang="de-DE" smtClean="0"/>
-              <a:t>15.09.2021</a:t>
+              <a:t>16.09.2021</a:t>
             </a:fld>
             <a:endParaRPr lang="de-DE"/>
           </a:p>
@@ -13312,7 +13312,7 @@
           <a:p>
             <a:fld id="{BBC87CA2-7062-4E12-8384-9E01394495A9}" type="datetime1">
               <a:rPr lang="de-DE" smtClean="0"/>
-              <a:t>15.09.2021</a:t>
+              <a:t>16.09.2021</a:t>
             </a:fld>
             <a:endParaRPr lang="de-DE"/>
           </a:p>
@@ -13500,7 +13500,7 @@
           <a:p>
             <a:fld id="{BBC87CA2-7062-4E12-8384-9E01394495A9}" type="datetime1">
               <a:rPr lang="de-DE" smtClean="0"/>
-              <a:t>15.09.2021</a:t>
+              <a:t>16.09.2021</a:t>
             </a:fld>
             <a:endParaRPr lang="de-DE"/>
           </a:p>
@@ -13688,7 +13688,7 @@
           <a:p>
             <a:fld id="{BBC87CA2-7062-4E12-8384-9E01394495A9}" type="datetime1">
               <a:rPr lang="de-DE" smtClean="0"/>
-              <a:t>15.09.2021</a:t>
+              <a:t>16.09.2021</a:t>
             </a:fld>
             <a:endParaRPr lang="de-DE"/>
           </a:p>
@@ -13876,7 +13876,7 @@
           <a:p>
             <a:fld id="{BBC87CA2-7062-4E12-8384-9E01394495A9}" type="datetime1">
               <a:rPr lang="de-DE" smtClean="0"/>
-              <a:t>15.09.2021</a:t>
+              <a:t>16.09.2021</a:t>
             </a:fld>
             <a:endParaRPr lang="de-DE"/>
           </a:p>
@@ -14200,7 +14200,7 @@
           <a:p>
             <a:fld id="{BBC87CA2-7062-4E12-8384-9E01394495A9}" type="datetime1">
               <a:rPr lang="de-DE" smtClean="0"/>
-              <a:t>15.09.2021</a:t>
+              <a:t>16.09.2021</a:t>
             </a:fld>
             <a:endParaRPr lang="de-DE"/>
           </a:p>
@@ -14396,7 +14396,7 @@
           <a:p>
             <a:fld id="{BBC87CA2-7062-4E12-8384-9E01394495A9}" type="datetime1">
               <a:rPr lang="de-DE" smtClean="0"/>
-              <a:t>15.09.2021</a:t>
+              <a:t>16.09.2021</a:t>
             </a:fld>
             <a:endParaRPr lang="de-DE"/>
           </a:p>
@@ -14548,7 +14548,7 @@
           <a:p>
             <a:fld id="{BBC87CA2-7062-4E12-8384-9E01394495A9}" type="datetime1">
               <a:rPr lang="de-DE" smtClean="0"/>
-              <a:t>15.09.2021</a:t>
+              <a:t>16.09.2021</a:t>
             </a:fld>
             <a:endParaRPr lang="de-DE"/>
           </a:p>
@@ -14884,7 +14884,7 @@
           <a:p>
             <a:fld id="{BBC87CA2-7062-4E12-8384-9E01394495A9}" type="datetime1">
               <a:rPr lang="de-DE" smtClean="0"/>
-              <a:t>15.09.2021</a:t>
+              <a:t>16.09.2021</a:t>
             </a:fld>
             <a:endParaRPr lang="de-DE"/>
           </a:p>
@@ -15173,7 +15173,7 @@
           <a:p>
             <a:fld id="{BBC87CA2-7062-4E12-8384-9E01394495A9}" type="datetime1">
               <a:rPr lang="de-DE" smtClean="0"/>
-              <a:t>15.09.2021</a:t>
+              <a:t>16.09.2021</a:t>
             </a:fld>
             <a:endParaRPr lang="de-DE"/>
           </a:p>
@@ -15325,7 +15325,7 @@
           <a:p>
             <a:fld id="{BBC87CA2-7062-4E12-8384-9E01394495A9}" type="datetime1">
               <a:rPr lang="de-DE" smtClean="0"/>
-              <a:t>15.09.2021</a:t>
+              <a:t>16.09.2021</a:t>
             </a:fld>
             <a:endParaRPr lang="de-DE"/>
           </a:p>
@@ -15542,7 +15542,7 @@
           <a:p>
             <a:fld id="{BBC87CA2-7062-4E12-8384-9E01394495A9}" type="datetime1">
               <a:rPr lang="de-DE" smtClean="0"/>
-              <a:t>15.09.2021</a:t>
+              <a:t>16.09.2021</a:t>
             </a:fld>
             <a:endParaRPr lang="de-DE"/>
           </a:p>
@@ -15977,7 +15977,7 @@
           <a:p>
             <a:fld id="{BBC87CA2-7062-4E12-8384-9E01394495A9}" type="datetime1">
               <a:rPr lang="de-DE" smtClean="0"/>
-              <a:t>15.09.2021</a:t>
+              <a:t>16.09.2021</a:t>
             </a:fld>
             <a:endParaRPr lang="de-DE"/>
           </a:p>
@@ -17269,6 +17269,15 @@
 </file>
 
 <file path=customXml/item1.xml><?xml version="1.0" encoding="utf-8"?>
+<?mso-contentType ?>
+<FormTemplates xmlns="http://schemas.microsoft.com/sharepoint/v3/contenttype/forms">
+  <Display>DocumentLibraryForm</Display>
+  <Edit>DocumentLibraryForm</Edit>
+  <New>DocumentLibraryForm</New>
+</FormTemplates>
+</file>
+
+<file path=customXml/item2.xml><?xml version="1.0" encoding="utf-8"?>
 <ct:contentTypeSchema xmlns:ct="http://schemas.microsoft.com/office/2006/metadata/contentType" xmlns:ma="http://schemas.microsoft.com/office/2006/metadata/properties/metaAttributes" ct:_="" ma:_="" ma:contentTypeName="Dokument" ma:contentTypeID="0x01010023FE8A008EF4BF43B38FC35300F12B9D" ma:contentTypeVersion="8" ma:contentTypeDescription="Ein neues Dokument erstellen." ma:contentTypeScope="" ma:versionID="d8c63f5073309e1805ccbe46a390ba19">
   <xsd:schema xmlns:xsd="http://www.w3.org/2001/XMLSchema" xmlns:xs="http://www.w3.org/2001/XMLSchema" xmlns:p="http://schemas.microsoft.com/office/2006/metadata/properties" xmlns:ns2="079fbd0e-5034-4fe6-9bcd-ef5ceb0e7e29" xmlns:ns3="e63291b0-4c69-4eea-8742-605d17329388" targetNamespace="http://schemas.microsoft.com/office/2006/metadata/properties" ma:root="true" ma:fieldsID="abc525c749cf5e11088e83bdb4efeebf" ns2:_="" ns3:_="">
     <xsd:import namespace="079fbd0e-5034-4fe6-9bcd-ef5ceb0e7e29"/>
@@ -17459,15 +17468,6 @@
 </ct:contentTypeSchema>
 </file>
 
-<file path=customXml/item2.xml><?xml version="1.0" encoding="utf-8"?>
-<?mso-contentType ?>
-<FormTemplates xmlns="http://schemas.microsoft.com/sharepoint/v3/contenttype/forms">
-  <Display>DocumentLibraryForm</Display>
-  <Edit>DocumentLibraryForm</Edit>
-  <New>DocumentLibraryForm</New>
-</FormTemplates>
-</file>
-
 <file path=customXml/item3.xml><?xml version="1.0" encoding="utf-8"?>
 <p:properties xmlns:p="http://schemas.microsoft.com/office/2006/metadata/properties" xmlns:xsi="http://www.w3.org/2001/XMLSchema-instance" xmlns:pc="http://schemas.microsoft.com/office/infopath/2007/PartnerControls">
   <documentManagement/>
@@ -17475,6 +17475,14 @@
 </file>
 
 <file path=customXml/itemProps1.xml><?xml version="1.0" encoding="utf-8"?>
+<ds:datastoreItem xmlns:ds="http://schemas.openxmlformats.org/officeDocument/2006/customXml" ds:itemID="{DD4333DF-574C-4D73-A71A-B940E5D42F65}">
+  <ds:schemaRefs>
+    <ds:schemaRef ds:uri="http://schemas.microsoft.com/sharepoint/v3/contenttype/forms"/>
+  </ds:schemaRefs>
+</ds:datastoreItem>
+</file>
+
+<file path=customXml/itemProps2.xml><?xml version="1.0" encoding="utf-8"?>
 <ds:datastoreItem xmlns:ds="http://schemas.openxmlformats.org/officeDocument/2006/customXml" ds:itemID="{26D012AB-ED72-428A-A7A5-0C25A9135017}">
   <ds:schemaRefs>
     <ds:schemaRef ds:uri="http://schemas.microsoft.com/office/2006/metadata/contentType"/>
@@ -17493,14 +17501,6 @@
 </ds:datastoreItem>
 </file>
 
-<file path=customXml/itemProps2.xml><?xml version="1.0" encoding="utf-8"?>
-<ds:datastoreItem xmlns:ds="http://schemas.openxmlformats.org/officeDocument/2006/customXml" ds:itemID="{DD4333DF-574C-4D73-A71A-B940E5D42F65}">
-  <ds:schemaRefs>
-    <ds:schemaRef ds:uri="http://schemas.microsoft.com/sharepoint/v3/contenttype/forms"/>
-  </ds:schemaRefs>
-</ds:datastoreItem>
-</file>
-
 <file path=customXml/itemProps3.xml><?xml version="1.0" encoding="utf-8"?>
 <ds:datastoreItem xmlns:ds="http://schemas.openxmlformats.org/officeDocument/2006/customXml" ds:itemID="{4507DE60-3DD6-46B6-92AF-717BD04D65E5}">
   <ds:schemaRefs>
